--- a/flow_charts/main_loop.pptx
+++ b/flow_charts/main_loop.pptx
@@ -7,7 +7,7 @@
   <p:sldIdLst>
     <p:sldId id="256" r:id="rId2"/>
   </p:sldIdLst>
-  <p:sldSz cx="10058400" cy="16459200"/>
+  <p:sldSz cx="10058400" cy="10058400"/>
   <p:notesSz cx="6858000" cy="9144000"/>
   <p:defaultTextStyle>
     <a:defPPr>
@@ -136,8 +136,8 @@
         </p:nvSpPr>
         <p:spPr>
           <a:xfrm>
-            <a:off x="754380" y="5113022"/>
-            <a:ext cx="8549640" cy="3528060"/>
+            <a:off x="754380" y="3124625"/>
+            <a:ext cx="8549640" cy="2156037"/>
           </a:xfrm>
         </p:spPr>
         <p:txBody>
@@ -164,8 +164,8 @@
         </p:nvSpPr>
         <p:spPr>
           <a:xfrm>
-            <a:off x="1508760" y="9326880"/>
-            <a:ext cx="7040880" cy="4206240"/>
+            <a:off x="1508760" y="5699760"/>
+            <a:ext cx="7040880" cy="2570480"/>
           </a:xfrm>
         </p:spPr>
         <p:txBody>
@@ -548,8 +548,8 @@
         </p:nvSpPr>
         <p:spPr>
           <a:xfrm>
-            <a:off x="6564155" y="1756413"/>
-            <a:ext cx="2036128" cy="37452300"/>
+            <a:off x="6564155" y="1073363"/>
+            <a:ext cx="2036128" cy="22887517"/>
           </a:xfrm>
         </p:spPr>
         <p:txBody>
@@ -576,8 +576,8 @@
         </p:nvSpPr>
         <p:spPr>
           <a:xfrm>
-            <a:off x="452280" y="1756413"/>
-            <a:ext cx="5944235" cy="37452300"/>
+            <a:off x="452280" y="1073363"/>
+            <a:ext cx="5944235" cy="22887517"/>
           </a:xfrm>
         </p:spPr>
         <p:txBody>
@@ -898,8 +898,8 @@
         </p:nvSpPr>
         <p:spPr>
           <a:xfrm>
-            <a:off x="794545" y="10576562"/>
-            <a:ext cx="8549640" cy="3268980"/>
+            <a:off x="794545" y="6463455"/>
+            <a:ext cx="8549640" cy="1997710"/>
           </a:xfrm>
         </p:spPr>
         <p:txBody>
@@ -930,8 +930,8 @@
         </p:nvSpPr>
         <p:spPr>
           <a:xfrm>
-            <a:off x="794545" y="6976113"/>
-            <a:ext cx="8549640" cy="3600449"/>
+            <a:off x="794545" y="4263182"/>
+            <a:ext cx="8549640" cy="2200274"/>
           </a:xfrm>
         </p:spPr>
         <p:txBody>
@@ -1167,8 +1167,8 @@
         </p:nvSpPr>
         <p:spPr>
           <a:xfrm>
-            <a:off x="452280" y="10241281"/>
-            <a:ext cx="3990180" cy="28967432"/>
+            <a:off x="452280" y="6258561"/>
+            <a:ext cx="3990180" cy="17702320"/>
           </a:xfrm>
         </p:spPr>
         <p:txBody>
@@ -1252,8 +1252,8 @@
         </p:nvSpPr>
         <p:spPr>
           <a:xfrm>
-            <a:off x="4610100" y="10241281"/>
-            <a:ext cx="3990182" cy="28967432"/>
+            <a:off x="4610100" y="6258561"/>
+            <a:ext cx="3990182" cy="17702320"/>
           </a:xfrm>
         </p:spPr>
         <p:txBody>
@@ -1432,8 +1432,8 @@
         </p:nvSpPr>
         <p:spPr>
           <a:xfrm>
-            <a:off x="502920" y="659131"/>
-            <a:ext cx="9052560" cy="2743200"/>
+            <a:off x="502920" y="402803"/>
+            <a:ext cx="9052560" cy="1676400"/>
           </a:xfrm>
         </p:spPr>
         <p:txBody>
@@ -1464,8 +1464,8 @@
         </p:nvSpPr>
         <p:spPr>
           <a:xfrm>
-            <a:off x="502920" y="3684271"/>
-            <a:ext cx="4444207" cy="1535429"/>
+            <a:off x="502923" y="2251500"/>
+            <a:ext cx="4444207" cy="938317"/>
           </a:xfrm>
         </p:spPr>
         <p:txBody>
@@ -1529,8 +1529,8 @@
         </p:nvSpPr>
         <p:spPr>
           <a:xfrm>
-            <a:off x="502920" y="5219700"/>
-            <a:ext cx="4444207" cy="9483091"/>
+            <a:off x="502923" y="3189817"/>
+            <a:ext cx="4444207" cy="5795223"/>
           </a:xfrm>
         </p:spPr>
         <p:txBody>
@@ -1614,8 +1614,8 @@
         </p:nvSpPr>
         <p:spPr>
           <a:xfrm>
-            <a:off x="5109528" y="3684271"/>
-            <a:ext cx="4445953" cy="1535429"/>
+            <a:off x="5109531" y="2251500"/>
+            <a:ext cx="4445953" cy="938317"/>
           </a:xfrm>
         </p:spPr>
         <p:txBody>
@@ -1679,8 +1679,8 @@
         </p:nvSpPr>
         <p:spPr>
           <a:xfrm>
-            <a:off x="5109528" y="5219700"/>
-            <a:ext cx="4445953" cy="9483091"/>
+            <a:off x="5109531" y="3189817"/>
+            <a:ext cx="4445953" cy="5795223"/>
           </a:xfrm>
         </p:spPr>
         <p:txBody>
@@ -2072,8 +2072,8 @@
         </p:nvSpPr>
         <p:spPr>
           <a:xfrm>
-            <a:off x="502920" y="655320"/>
-            <a:ext cx="3309145" cy="2788920"/>
+            <a:off x="502923" y="400473"/>
+            <a:ext cx="3309145" cy="1704340"/>
           </a:xfrm>
         </p:spPr>
         <p:txBody>
@@ -2104,8 +2104,8 @@
         </p:nvSpPr>
         <p:spPr>
           <a:xfrm>
-            <a:off x="3932556" y="655322"/>
-            <a:ext cx="5622925" cy="14047471"/>
+            <a:off x="3932556" y="400476"/>
+            <a:ext cx="5622925" cy="8584566"/>
           </a:xfrm>
         </p:spPr>
         <p:txBody>
@@ -2189,8 +2189,8 @@
         </p:nvSpPr>
         <p:spPr>
           <a:xfrm>
-            <a:off x="502920" y="3444242"/>
-            <a:ext cx="3309145" cy="11258551"/>
+            <a:off x="502923" y="2104816"/>
+            <a:ext cx="3309145" cy="6880226"/>
           </a:xfrm>
         </p:spPr>
         <p:txBody>
@@ -2349,8 +2349,8 @@
         </p:nvSpPr>
         <p:spPr>
           <a:xfrm>
-            <a:off x="1971517" y="11521440"/>
-            <a:ext cx="6035040" cy="1360171"/>
+            <a:off x="1971517" y="7040880"/>
+            <a:ext cx="6035040" cy="831216"/>
           </a:xfrm>
         </p:spPr>
         <p:txBody>
@@ -2381,8 +2381,8 @@
         </p:nvSpPr>
         <p:spPr>
           <a:xfrm>
-            <a:off x="1971517" y="1470660"/>
-            <a:ext cx="6035040" cy="9875520"/>
+            <a:off x="1971517" y="898737"/>
+            <a:ext cx="6035040" cy="6035040"/>
           </a:xfrm>
         </p:spPr>
         <p:txBody>
@@ -2442,8 +2442,8 @@
         </p:nvSpPr>
         <p:spPr>
           <a:xfrm>
-            <a:off x="1971517" y="12881611"/>
-            <a:ext cx="6035040" cy="1931669"/>
+            <a:off x="1971517" y="7872096"/>
+            <a:ext cx="6035040" cy="1180464"/>
           </a:xfrm>
         </p:spPr>
         <p:txBody>
@@ -2607,8 +2607,8 @@
         </p:nvSpPr>
         <p:spPr>
           <a:xfrm>
-            <a:off x="502920" y="659131"/>
-            <a:ext cx="9052560" cy="2743200"/>
+            <a:off x="502920" y="402803"/>
+            <a:ext cx="9052560" cy="1676400"/>
           </a:xfrm>
           <a:prstGeom prst="rect">
             <a:avLst/>
@@ -2640,8 +2640,8 @@
         </p:nvSpPr>
         <p:spPr>
           <a:xfrm>
-            <a:off x="502920" y="3840481"/>
-            <a:ext cx="9052560" cy="10862312"/>
+            <a:off x="502920" y="2346961"/>
+            <a:ext cx="9052560" cy="6638080"/>
           </a:xfrm>
           <a:prstGeom prst="rect">
             <a:avLst/>
@@ -2702,8 +2702,8 @@
         </p:nvSpPr>
         <p:spPr>
           <a:xfrm>
-            <a:off x="502920" y="15255242"/>
-            <a:ext cx="2346960" cy="876300"/>
+            <a:off x="502920" y="9322648"/>
+            <a:ext cx="2346960" cy="535517"/>
           </a:xfrm>
           <a:prstGeom prst="rect">
             <a:avLst/>
@@ -2743,8 +2743,8 @@
         </p:nvSpPr>
         <p:spPr>
           <a:xfrm>
-            <a:off x="3436620" y="15255242"/>
-            <a:ext cx="3185160" cy="876300"/>
+            <a:off x="3436620" y="9322648"/>
+            <a:ext cx="3185160" cy="535517"/>
           </a:xfrm>
           <a:prstGeom prst="rect">
             <a:avLst/>
@@ -2780,8 +2780,8 @@
         </p:nvSpPr>
         <p:spPr>
           <a:xfrm>
-            <a:off x="7208520" y="15255242"/>
-            <a:ext cx="2346960" cy="876300"/>
+            <a:off x="7208520" y="9322648"/>
+            <a:ext cx="2346960" cy="535517"/>
           </a:xfrm>
           <a:prstGeom prst="rect">
             <a:avLst/>
@@ -3102,13 +3102,13 @@
       </p:grpSpPr>
       <p:sp>
         <p:nvSpPr>
-          <p:cNvPr id="19" name="Decision 18"/>
+          <p:cNvPr id="122" name="Decision 121"/>
           <p:cNvSpPr/>
           <p:nvPr/>
         </p:nvSpPr>
         <p:spPr>
           <a:xfrm>
-            <a:off x="3445905" y="3759323"/>
+            <a:off x="3547505" y="2595567"/>
             <a:ext cx="1342597" cy="1342597"/>
           </a:xfrm>
           <a:prstGeom prst="flowChartDecision">
@@ -3156,13 +3156,13 @@
       </p:sp>
       <p:sp>
         <p:nvSpPr>
-          <p:cNvPr id="20" name="Alternate Process 19"/>
+          <p:cNvPr id="123" name="Alternate Process 122"/>
           <p:cNvSpPr/>
           <p:nvPr/>
         </p:nvSpPr>
         <p:spPr>
           <a:xfrm>
-            <a:off x="3333857" y="2534881"/>
+            <a:off x="3435457" y="1371125"/>
             <a:ext cx="1534682" cy="430180"/>
           </a:xfrm>
           <a:prstGeom prst="flowChartAlternateProcess">
@@ -3200,23 +3200,18 @@
               </a:rPr>
               <a:t>Check keyboard buffer</a:t>
             </a:r>
-            <a:endParaRPr lang="en-US" sz="1200" dirty="0">
-              <a:solidFill>
-                <a:schemeClr val="tx1"/>
-              </a:solidFill>
-            </a:endParaRPr>
-          </a:p>
-        </p:txBody>
-      </p:sp>
-      <p:sp>
-        <p:nvSpPr>
-          <p:cNvPr id="21" name="Alternate Process 20"/>
+          </a:p>
+        </p:txBody>
+      </p:sp>
+      <p:sp>
+        <p:nvSpPr>
+          <p:cNvPr id="124" name="Alternate Process 123"/>
           <p:cNvSpPr/>
           <p:nvPr/>
         </p:nvSpPr>
         <p:spPr>
           <a:xfrm>
-            <a:off x="934213" y="6719520"/>
+            <a:off x="1035813" y="5555764"/>
             <a:ext cx="1450384" cy="783581"/>
           </a:xfrm>
           <a:prstGeom prst="flowChartAlternateProcess">
@@ -3288,13 +3283,13 @@
       </p:sp>
       <p:sp>
         <p:nvSpPr>
-          <p:cNvPr id="22" name="Alternate Process 21"/>
+          <p:cNvPr id="125" name="Alternate Process 124"/>
           <p:cNvSpPr/>
           <p:nvPr/>
         </p:nvSpPr>
         <p:spPr>
           <a:xfrm>
-            <a:off x="3913743" y="6934612"/>
+            <a:off x="4015343" y="5770856"/>
             <a:ext cx="1343595" cy="730122"/>
           </a:xfrm>
           <a:prstGeom prst="flowChartAlternateProcess">
@@ -3353,13 +3348,13 @@
       </p:sp>
       <p:sp>
         <p:nvSpPr>
-          <p:cNvPr id="23" name="Decision 22"/>
+          <p:cNvPr id="126" name="Decision 125"/>
           <p:cNvSpPr/>
           <p:nvPr/>
         </p:nvSpPr>
         <p:spPr>
           <a:xfrm>
-            <a:off x="2083379" y="5532101"/>
+            <a:off x="2184979" y="4368345"/>
             <a:ext cx="832296" cy="554088"/>
           </a:xfrm>
           <a:prstGeom prst="flowChartDecision">
@@ -3407,13 +3402,13 @@
       </p:sp>
       <p:sp>
         <p:nvSpPr>
-          <p:cNvPr id="24" name="Decision 23"/>
+          <p:cNvPr id="127" name="Decision 126"/>
           <p:cNvSpPr/>
           <p:nvPr/>
         </p:nvSpPr>
         <p:spPr>
           <a:xfrm>
-            <a:off x="5541224" y="5592014"/>
+            <a:off x="5642824" y="4428258"/>
             <a:ext cx="1819924" cy="757761"/>
           </a:xfrm>
           <a:prstGeom prst="flowChartDecision">
@@ -3461,13 +3456,13 @@
       </p:sp>
       <p:sp>
         <p:nvSpPr>
-          <p:cNvPr id="25" name="Alternate Process 24"/>
+          <p:cNvPr id="128" name="Alternate Process 127"/>
           <p:cNvSpPr/>
           <p:nvPr/>
         </p:nvSpPr>
         <p:spPr>
           <a:xfrm>
-            <a:off x="6175222" y="8190230"/>
+            <a:off x="6276822" y="7026474"/>
             <a:ext cx="1343595" cy="730122"/>
           </a:xfrm>
           <a:prstGeom prst="flowChartAlternateProcess">
@@ -3526,13 +3521,13 @@
       </p:sp>
       <p:sp>
         <p:nvSpPr>
-          <p:cNvPr id="27" name="Decision 26"/>
+          <p:cNvPr id="129" name="Decision 128"/>
           <p:cNvSpPr/>
           <p:nvPr/>
         </p:nvSpPr>
         <p:spPr>
           <a:xfrm>
-            <a:off x="2917708" y="8643307"/>
+            <a:off x="3019308" y="7479551"/>
             <a:ext cx="832296" cy="554088"/>
           </a:xfrm>
           <a:prstGeom prst="flowChartDecision">
@@ -3580,16 +3575,16 @@
       </p:sp>
       <p:cxnSp>
         <p:nvCxnSpPr>
-          <p:cNvPr id="6" name="Straight Arrow Connector 5"/>
+          <p:cNvPr id="130" name="Straight Arrow Connector 129"/>
           <p:cNvCxnSpPr>
-            <a:stCxn id="20" idx="2"/>
-            <a:endCxn id="19" idx="0"/>
+            <a:stCxn id="123" idx="2"/>
+            <a:endCxn id="122" idx="0"/>
           </p:cNvCxnSpPr>
           <p:nvPr/>
         </p:nvCxnSpPr>
         <p:spPr>
           <a:xfrm>
-            <a:off x="4101198" y="2965062"/>
+            <a:off x="4202798" y="1801306"/>
             <a:ext cx="16005" cy="794261"/>
           </a:xfrm>
           <a:prstGeom prst="straightConnector1">
@@ -3616,16 +3611,16 @@
       </p:cxnSp>
       <p:cxnSp>
         <p:nvCxnSpPr>
-          <p:cNvPr id="8" name="Elbow Connector 7"/>
+          <p:cNvPr id="131" name="Elbow Connector 130"/>
           <p:cNvCxnSpPr>
-            <a:stCxn id="19" idx="1"/>
-            <a:endCxn id="23" idx="0"/>
+            <a:stCxn id="122" idx="1"/>
+            <a:endCxn id="126" idx="0"/>
           </p:cNvCxnSpPr>
           <p:nvPr/>
         </p:nvCxnSpPr>
         <p:spPr>
           <a:xfrm rot="10800000" flipV="1">
-            <a:off x="2499527" y="4430621"/>
+            <a:off x="2601127" y="3266865"/>
             <a:ext cx="946378" cy="1101479"/>
           </a:xfrm>
           <a:prstGeom prst="bentConnector2">
@@ -3652,16 +3647,16 @@
       </p:cxnSp>
       <p:cxnSp>
         <p:nvCxnSpPr>
-          <p:cNvPr id="10" name="Elbow Connector 9"/>
+          <p:cNvPr id="132" name="Elbow Connector 131"/>
           <p:cNvCxnSpPr>
-            <a:stCxn id="23" idx="1"/>
-            <a:endCxn id="21" idx="0"/>
+            <a:stCxn id="126" idx="1"/>
+            <a:endCxn id="124" idx="0"/>
           </p:cNvCxnSpPr>
           <p:nvPr/>
         </p:nvCxnSpPr>
         <p:spPr>
           <a:xfrm rot="10800000" flipV="1">
-            <a:off x="1659405" y="5809144"/>
+            <a:off x="1761005" y="4645388"/>
             <a:ext cx="423974" cy="910375"/>
           </a:xfrm>
           <a:prstGeom prst="bentConnector2">
@@ -3688,16 +3683,16 @@
       </p:cxnSp>
       <p:cxnSp>
         <p:nvCxnSpPr>
-          <p:cNvPr id="13" name="Elbow Connector 12"/>
+          <p:cNvPr id="133" name="Elbow Connector 132"/>
           <p:cNvCxnSpPr>
-            <a:stCxn id="23" idx="3"/>
-            <a:endCxn id="27" idx="0"/>
+            <a:stCxn id="126" idx="3"/>
+            <a:endCxn id="129" idx="0"/>
           </p:cNvCxnSpPr>
           <p:nvPr/>
         </p:nvCxnSpPr>
         <p:spPr>
           <a:xfrm>
-            <a:off x="2915676" y="5809145"/>
+            <a:off x="3017276" y="4645389"/>
             <a:ext cx="418181" cy="2834162"/>
           </a:xfrm>
           <a:prstGeom prst="bentConnector2">
@@ -3724,16 +3719,16 @@
       </p:cxnSp>
       <p:cxnSp>
         <p:nvCxnSpPr>
-          <p:cNvPr id="15" name="Elbow Connector 14"/>
+          <p:cNvPr id="134" name="Elbow Connector 133"/>
           <p:cNvCxnSpPr>
-            <a:stCxn id="19" idx="3"/>
-            <a:endCxn id="24" idx="0"/>
+            <a:stCxn id="122" idx="3"/>
+            <a:endCxn id="127" idx="0"/>
           </p:cNvCxnSpPr>
           <p:nvPr/>
         </p:nvCxnSpPr>
         <p:spPr>
           <a:xfrm>
-            <a:off x="4788502" y="4430622"/>
+            <a:off x="4890102" y="3266866"/>
             <a:ext cx="1662684" cy="1161392"/>
           </a:xfrm>
           <a:prstGeom prst="bentConnector2">
@@ -3760,16 +3755,16 @@
       </p:cxnSp>
       <p:cxnSp>
         <p:nvCxnSpPr>
-          <p:cNvPr id="17" name="Elbow Connector 16"/>
+          <p:cNvPr id="135" name="Elbow Connector 134"/>
           <p:cNvCxnSpPr>
-            <a:stCxn id="21" idx="1"/>
-            <a:endCxn id="20" idx="1"/>
+            <a:stCxn id="124" idx="1"/>
+            <a:endCxn id="123" idx="1"/>
           </p:cNvCxnSpPr>
           <p:nvPr/>
         </p:nvCxnSpPr>
         <p:spPr>
           <a:xfrm rot="10800000" flipH="1">
-            <a:off x="934213" y="2749971"/>
+            <a:off x="1035813" y="1586215"/>
             <a:ext cx="2399644" cy="4361340"/>
           </a:xfrm>
           <a:prstGeom prst="bentConnector3">
@@ -3798,15 +3793,15 @@
       </p:cxnSp>
       <p:cxnSp>
         <p:nvCxnSpPr>
-          <p:cNvPr id="45" name="Elbow Connector 44"/>
+          <p:cNvPr id="136" name="Elbow Connector 135"/>
           <p:cNvCxnSpPr>
-            <a:stCxn id="27" idx="1"/>
+            <a:stCxn id="129" idx="1"/>
           </p:cNvCxnSpPr>
           <p:nvPr/>
         </p:nvCxnSpPr>
         <p:spPr>
           <a:xfrm rot="10800000">
-            <a:off x="336954" y="7111311"/>
+            <a:off x="438554" y="5947555"/>
             <a:ext cx="2580754" cy="1809040"/>
           </a:xfrm>
           <a:prstGeom prst="bentConnector3">
@@ -3835,13 +3830,13 @@
       </p:cxnSp>
       <p:sp>
         <p:nvSpPr>
-          <p:cNvPr id="53" name="Alternate Process 52"/>
+          <p:cNvPr id="138" name="Alternate Process 137"/>
           <p:cNvSpPr/>
           <p:nvPr/>
         </p:nvSpPr>
         <p:spPr>
           <a:xfrm>
-            <a:off x="3842090" y="9447401"/>
+            <a:off x="3943690" y="8283645"/>
             <a:ext cx="1602702" cy="1050803"/>
           </a:xfrm>
           <a:prstGeom prst="flowChartAlternateProcess">
@@ -3903,16 +3898,16 @@
       </p:sp>
       <p:cxnSp>
         <p:nvCxnSpPr>
-          <p:cNvPr id="55" name="Elbow Connector 54"/>
+          <p:cNvPr id="148" name="Elbow Connector 147"/>
           <p:cNvCxnSpPr>
-            <a:stCxn id="27" idx="3"/>
-            <a:endCxn id="53" idx="0"/>
+            <a:stCxn id="129" idx="3"/>
+            <a:endCxn id="138" idx="0"/>
           </p:cNvCxnSpPr>
           <p:nvPr/>
         </p:nvCxnSpPr>
         <p:spPr>
           <a:xfrm>
-            <a:off x="3750005" y="8920351"/>
+            <a:off x="3851605" y="7756595"/>
             <a:ext cx="893436" cy="527050"/>
           </a:xfrm>
           <a:prstGeom prst="bentConnector2">
@@ -3939,15 +3934,15 @@
       </p:cxnSp>
       <p:cxnSp>
         <p:nvCxnSpPr>
-          <p:cNvPr id="57" name="Elbow Connector 56"/>
+          <p:cNvPr id="149" name="Elbow Connector 148"/>
           <p:cNvCxnSpPr>
-            <a:stCxn id="53" idx="1"/>
+            <a:stCxn id="138" idx="1"/>
           </p:cNvCxnSpPr>
           <p:nvPr/>
         </p:nvCxnSpPr>
         <p:spPr>
           <a:xfrm rot="10800000">
-            <a:off x="336954" y="8920353"/>
+            <a:off x="438554" y="7756597"/>
             <a:ext cx="3505136" cy="1052451"/>
           </a:xfrm>
           <a:prstGeom prst="bentConnector3">
@@ -3976,16 +3971,16 @@
       </p:cxnSp>
       <p:cxnSp>
         <p:nvCxnSpPr>
-          <p:cNvPr id="60" name="Elbow Connector 59"/>
+          <p:cNvPr id="150" name="Elbow Connector 149"/>
           <p:cNvCxnSpPr>
-            <a:stCxn id="24" idx="1"/>
-            <a:endCxn id="22" idx="0"/>
+            <a:stCxn id="127" idx="1"/>
+            <a:endCxn id="125" idx="0"/>
           </p:cNvCxnSpPr>
           <p:nvPr/>
         </p:nvCxnSpPr>
         <p:spPr>
           <a:xfrm rot="10800000" flipV="1">
-            <a:off x="4585542" y="5970894"/>
+            <a:off x="4687142" y="4807138"/>
             <a:ext cx="955683" cy="963717"/>
           </a:xfrm>
           <a:prstGeom prst="bentConnector2">
@@ -4012,15 +4007,15 @@
       </p:cxnSp>
       <p:cxnSp>
         <p:nvCxnSpPr>
-          <p:cNvPr id="75" name="Straight Arrow Connector 74"/>
+          <p:cNvPr id="151" name="Straight Arrow Connector 150"/>
           <p:cNvCxnSpPr>
-            <a:endCxn id="20" idx="0"/>
+            <a:endCxn id="123" idx="0"/>
           </p:cNvCxnSpPr>
           <p:nvPr/>
         </p:nvCxnSpPr>
         <p:spPr>
           <a:xfrm>
-            <a:off x="4101198" y="1412501"/>
+            <a:off x="4202798" y="248745"/>
             <a:ext cx="0" cy="1122380"/>
           </a:xfrm>
           <a:prstGeom prst="straightConnector1">
@@ -4047,13 +4042,13 @@
       </p:cxnSp>
       <p:sp>
         <p:nvSpPr>
-          <p:cNvPr id="77" name="Decision 76"/>
+          <p:cNvPr id="152" name="Decision 151"/>
           <p:cNvSpPr/>
           <p:nvPr/>
         </p:nvSpPr>
         <p:spPr>
           <a:xfrm>
-            <a:off x="7529625" y="6719519"/>
+            <a:off x="7631225" y="5555763"/>
             <a:ext cx="1396276" cy="783582"/>
           </a:xfrm>
           <a:prstGeom prst="flowChartDecision">
@@ -4101,16 +4096,16 @@
       </p:sp>
       <p:cxnSp>
         <p:nvCxnSpPr>
-          <p:cNvPr id="79" name="Elbow Connector 78"/>
+          <p:cNvPr id="153" name="Elbow Connector 152"/>
           <p:cNvCxnSpPr>
-            <a:stCxn id="24" idx="3"/>
-            <a:endCxn id="77" idx="0"/>
+            <a:stCxn id="127" idx="3"/>
+            <a:endCxn id="152" idx="0"/>
           </p:cNvCxnSpPr>
           <p:nvPr/>
         </p:nvCxnSpPr>
         <p:spPr>
           <a:xfrm>
-            <a:off x="7361148" y="5970895"/>
+            <a:off x="7462748" y="4807139"/>
             <a:ext cx="866615" cy="748624"/>
           </a:xfrm>
           <a:prstGeom prst="bentConnector2">
@@ -4137,16 +4132,16 @@
       </p:cxnSp>
       <p:cxnSp>
         <p:nvCxnSpPr>
-          <p:cNvPr id="81" name="Elbow Connector 80"/>
+          <p:cNvPr id="154" name="Elbow Connector 153"/>
           <p:cNvCxnSpPr>
-            <a:stCxn id="77" idx="1"/>
-            <a:endCxn id="25" idx="0"/>
+            <a:stCxn id="152" idx="1"/>
+            <a:endCxn id="128" idx="0"/>
           </p:cNvCxnSpPr>
           <p:nvPr/>
         </p:nvCxnSpPr>
         <p:spPr>
           <a:xfrm rot="10800000" flipV="1">
-            <a:off x="6847021" y="7111310"/>
+            <a:off x="6948621" y="5947554"/>
             <a:ext cx="682605" cy="1078920"/>
           </a:xfrm>
           <a:prstGeom prst="bentConnector2">
@@ -4173,15 +4168,15 @@
       </p:cxnSp>
       <p:cxnSp>
         <p:nvCxnSpPr>
-          <p:cNvPr id="83" name="Elbow Connector 82"/>
+          <p:cNvPr id="155" name="Elbow Connector 154"/>
           <p:cNvCxnSpPr>
-            <a:endCxn id="20" idx="3"/>
+            <a:endCxn id="123" idx="3"/>
           </p:cNvCxnSpPr>
           <p:nvPr/>
         </p:nvCxnSpPr>
         <p:spPr>
           <a:xfrm rot="10800000">
-            <a:off x="4868539" y="2749971"/>
+            <a:off x="4970139" y="1586215"/>
             <a:ext cx="4618034" cy="4350198"/>
           </a:xfrm>
           <a:prstGeom prst="bentConnector3">
@@ -4210,15 +4205,15 @@
       </p:cxnSp>
       <p:cxnSp>
         <p:nvCxnSpPr>
-          <p:cNvPr id="86" name="Straight Arrow Connector 85"/>
+          <p:cNvPr id="156" name="Straight Arrow Connector 155"/>
           <p:cNvCxnSpPr>
-            <a:stCxn id="77" idx="3"/>
+            <a:stCxn id="152" idx="3"/>
           </p:cNvCxnSpPr>
           <p:nvPr/>
         </p:nvCxnSpPr>
         <p:spPr>
           <a:xfrm flipV="1">
-            <a:off x="8925901" y="7100168"/>
+            <a:off x="9027501" y="5936412"/>
             <a:ext cx="560672" cy="11142"/>
           </a:xfrm>
           <a:prstGeom prst="straightConnector1">
@@ -4245,15 +4240,15 @@
       </p:cxnSp>
       <p:cxnSp>
         <p:nvCxnSpPr>
-          <p:cNvPr id="92" name="Elbow Connector 91"/>
+          <p:cNvPr id="157" name="Elbow Connector 156"/>
           <p:cNvCxnSpPr>
-            <a:stCxn id="25" idx="3"/>
+            <a:stCxn id="128" idx="3"/>
           </p:cNvCxnSpPr>
           <p:nvPr/>
         </p:nvCxnSpPr>
         <p:spPr>
           <a:xfrm flipV="1">
-            <a:off x="7518817" y="7100168"/>
+            <a:off x="7620417" y="5936412"/>
             <a:ext cx="1967756" cy="1455123"/>
           </a:xfrm>
           <a:prstGeom prst="bentConnector3">
@@ -4282,13 +4277,13 @@
       </p:cxnSp>
       <p:sp>
         <p:nvSpPr>
-          <p:cNvPr id="137" name="TextBox 136"/>
+          <p:cNvPr id="158" name="TextBox 157"/>
           <p:cNvSpPr txBox="1"/>
           <p:nvPr/>
         </p:nvSpPr>
         <p:spPr>
           <a:xfrm>
-            <a:off x="2891516" y="4122844"/>
+            <a:off x="2993116" y="2959088"/>
             <a:ext cx="425480" cy="307777"/>
           </a:xfrm>
           <a:prstGeom prst="rect">
@@ -4312,13 +4307,13 @@
       </p:sp>
       <p:sp>
         <p:nvSpPr>
-          <p:cNvPr id="139" name="TextBox 138"/>
+          <p:cNvPr id="159" name="TextBox 158"/>
           <p:cNvSpPr txBox="1"/>
           <p:nvPr/>
         </p:nvSpPr>
         <p:spPr>
           <a:xfrm>
-            <a:off x="1659405" y="5501367"/>
+            <a:off x="1761005" y="4337611"/>
             <a:ext cx="425480" cy="307777"/>
           </a:xfrm>
           <a:prstGeom prst="rect">
@@ -4342,13 +4337,13 @@
       </p:sp>
       <p:sp>
         <p:nvSpPr>
-          <p:cNvPr id="140" name="TextBox 139"/>
+          <p:cNvPr id="160" name="TextBox 159"/>
           <p:cNvSpPr txBox="1"/>
           <p:nvPr/>
         </p:nvSpPr>
         <p:spPr>
           <a:xfrm>
-            <a:off x="5044598" y="5663117"/>
+            <a:off x="5146198" y="4499361"/>
             <a:ext cx="425480" cy="307777"/>
           </a:xfrm>
           <a:prstGeom prst="rect">
@@ -4372,13 +4367,13 @@
       </p:sp>
       <p:sp>
         <p:nvSpPr>
-          <p:cNvPr id="141" name="TextBox 140"/>
+          <p:cNvPr id="161" name="TextBox 160"/>
           <p:cNvSpPr txBox="1"/>
           <p:nvPr/>
         </p:nvSpPr>
         <p:spPr>
           <a:xfrm>
-            <a:off x="4788502" y="4118477"/>
+            <a:off x="4890102" y="2954721"/>
             <a:ext cx="373670" cy="307777"/>
           </a:xfrm>
           <a:prstGeom prst="rect">
@@ -4402,13 +4397,13 @@
       </p:sp>
       <p:sp>
         <p:nvSpPr>
-          <p:cNvPr id="142" name="TextBox 141"/>
+          <p:cNvPr id="162" name="TextBox 161"/>
           <p:cNvSpPr txBox="1"/>
           <p:nvPr/>
         </p:nvSpPr>
         <p:spPr>
           <a:xfrm>
-            <a:off x="2926067" y="5532100"/>
+            <a:off x="3027667" y="4368344"/>
             <a:ext cx="373670" cy="307777"/>
           </a:xfrm>
           <a:prstGeom prst="rect">
@@ -4432,13 +4427,13 @@
       </p:sp>
       <p:sp>
         <p:nvSpPr>
-          <p:cNvPr id="143" name="TextBox 142"/>
+          <p:cNvPr id="163" name="TextBox 162"/>
           <p:cNvSpPr txBox="1"/>
           <p:nvPr/>
         </p:nvSpPr>
         <p:spPr>
           <a:xfrm>
-            <a:off x="7558794" y="5685988"/>
+            <a:off x="7660394" y="4522232"/>
             <a:ext cx="373670" cy="307777"/>
           </a:xfrm>
           <a:prstGeom prst="rect">
@@ -4462,13 +4457,13 @@
       </p:sp>
       <p:sp>
         <p:nvSpPr>
-          <p:cNvPr id="144" name="TextBox 143"/>
+          <p:cNvPr id="164" name="TextBox 163"/>
           <p:cNvSpPr txBox="1"/>
           <p:nvPr/>
         </p:nvSpPr>
         <p:spPr>
           <a:xfrm>
-            <a:off x="8925901" y="6780723"/>
+            <a:off x="9027501" y="5616967"/>
             <a:ext cx="373670" cy="307777"/>
           </a:xfrm>
           <a:prstGeom prst="rect">
@@ -4492,13 +4487,13 @@
       </p:sp>
       <p:sp>
         <p:nvSpPr>
-          <p:cNvPr id="145" name="TextBox 144"/>
+          <p:cNvPr id="165" name="TextBox 164"/>
           <p:cNvSpPr txBox="1"/>
           <p:nvPr/>
         </p:nvSpPr>
         <p:spPr>
           <a:xfrm>
-            <a:off x="6968991" y="6792391"/>
+            <a:off x="7070591" y="5628635"/>
             <a:ext cx="425480" cy="307777"/>
           </a:xfrm>
           <a:prstGeom prst="rect">
@@ -4522,13 +4517,13 @@
       </p:sp>
       <p:sp>
         <p:nvSpPr>
-          <p:cNvPr id="146" name="TextBox 145"/>
+          <p:cNvPr id="166" name="TextBox 165"/>
           <p:cNvSpPr txBox="1"/>
           <p:nvPr/>
         </p:nvSpPr>
         <p:spPr>
           <a:xfrm>
-            <a:off x="2459473" y="8612574"/>
+            <a:off x="2561073" y="7448818"/>
             <a:ext cx="425480" cy="307777"/>
           </a:xfrm>
           <a:prstGeom prst="rect">
@@ -4552,13 +4547,13 @@
       </p:sp>
       <p:sp>
         <p:nvSpPr>
-          <p:cNvPr id="147" name="TextBox 146"/>
+          <p:cNvPr id="167" name="TextBox 166"/>
           <p:cNvSpPr txBox="1"/>
           <p:nvPr/>
         </p:nvSpPr>
         <p:spPr>
           <a:xfrm>
-            <a:off x="3726135" y="8643307"/>
+            <a:off x="3827735" y="7479551"/>
             <a:ext cx="373670" cy="307777"/>
           </a:xfrm>
           <a:prstGeom prst="rect">

--- a/flow_charts/main_loop.pptx
+++ b/flow_charts/main_loop.pptx
@@ -3188,7 +3188,7 @@
           </a:fontRef>
         </p:style>
         <p:txBody>
-          <a:bodyPr anchor="ctr" anchorCtr="1"/>
+          <a:bodyPr anchor="ctr" anchorCtr="0"/>
           <a:lstStyle/>
           <a:p>
             <a:pPr algn="ctr"/>
@@ -3237,7 +3237,7 @@
           </a:fontRef>
         </p:style>
         <p:txBody>
-          <a:bodyPr anchor="ctr" anchorCtr="1"/>
+          <a:bodyPr anchor="ctr" anchorCtr="0"/>
           <a:lstStyle/>
           <a:p>
             <a:pPr algn="ctr"/>
@@ -3264,7 +3264,6 @@
             </a:endParaRPr>
           </a:p>
           <a:p>
-            <a:pPr algn="ctr"/>
             <a:r>
               <a:rPr lang="en-US" sz="1200" dirty="0" smtClean="0">
                 <a:solidFill>
@@ -3290,7 +3289,7 @@
         <p:spPr>
           <a:xfrm>
             <a:off x="4015343" y="5770856"/>
-            <a:ext cx="1343595" cy="730122"/>
+            <a:ext cx="2261479" cy="730122"/>
           </a:xfrm>
           <a:prstGeom prst="flowChartAlternateProcess">
             <a:avLst/>
@@ -3315,7 +3314,7 @@
           </a:fontRef>
         </p:style>
         <p:txBody>
-          <a:bodyPr anchor="ctr" anchorCtr="1"/>
+          <a:bodyPr anchor="ctr" anchorCtr="0"/>
           <a:lstStyle/>
           <a:p>
             <a:pPr algn="ctr"/>
@@ -3329,7 +3328,6 @@
             </a:r>
           </a:p>
           <a:p>
-            <a:pPr algn="ctr"/>
             <a:r>
               <a:rPr lang="en-US" sz="1200" dirty="0" smtClean="0">
                 <a:solidFill>
@@ -3463,7 +3461,7 @@
         <p:spPr>
           <a:xfrm>
             <a:off x="6276822" y="7026474"/>
-            <a:ext cx="1343595" cy="730122"/>
+            <a:ext cx="1757242" cy="730122"/>
           </a:xfrm>
           <a:prstGeom prst="flowChartAlternateProcess">
             <a:avLst/>
@@ -3488,10 +3486,9 @@
           </a:fontRef>
         </p:style>
         <p:txBody>
-          <a:bodyPr anchor="ctr" anchorCtr="1"/>
-          <a:lstStyle/>
-          <a:p>
-            <a:pPr algn="ctr"/>
+          <a:bodyPr anchor="ctr" anchorCtr="0"/>
+          <a:lstStyle/>
+          <a:p>
             <a:r>
               <a:rPr lang="en-US" sz="1200" dirty="0" smtClean="0">
                 <a:solidFill>
@@ -3502,7 +3499,6 @@
             </a:r>
           </a:p>
           <a:p>
-            <a:pPr algn="ctr"/>
             <a:r>
               <a:rPr lang="en-US" sz="1200" dirty="0" smtClean="0">
                 <a:solidFill>
@@ -3527,7 +3523,7 @@
         </p:nvSpPr>
         <p:spPr>
           <a:xfrm>
-            <a:off x="3019308" y="7479551"/>
+            <a:off x="3348292" y="7479551"/>
             <a:ext cx="832296" cy="554088"/>
           </a:xfrm>
           <a:prstGeom prst="flowChartDecision">
@@ -3692,8 +3688,8 @@
         </p:nvCxnSpPr>
         <p:spPr>
           <a:xfrm>
-            <a:off x="3017276" y="4645389"/>
-            <a:ext cx="418181" cy="2834162"/>
+            <a:off x="3017275" y="4645389"/>
+            <a:ext cx="747165" cy="2834162"/>
           </a:xfrm>
           <a:prstGeom prst="bentConnector2">
             <a:avLst/>
@@ -3769,7 +3765,7 @@
           </a:xfrm>
           <a:prstGeom prst="bentConnector3">
             <a:avLst>
-              <a:gd name="adj1" fmla="val -23568"/>
+              <a:gd name="adj1" fmla="val -25080"/>
             </a:avLst>
           </a:prstGeom>
           <a:ln>
@@ -3793,162 +3789,20 @@
       </p:cxnSp>
       <p:cxnSp>
         <p:nvCxnSpPr>
-          <p:cNvPr id="136" name="Elbow Connector 135"/>
+          <p:cNvPr id="148" name="Elbow Connector 147"/>
           <p:cNvCxnSpPr>
-            <a:stCxn id="129" idx="1"/>
+            <a:stCxn id="129" idx="3"/>
+            <a:endCxn id="169" idx="0"/>
           </p:cNvCxnSpPr>
           <p:nvPr/>
         </p:nvCxnSpPr>
         <p:spPr>
-          <a:xfrm rot="10800000">
-            <a:off x="438554" y="5947555"/>
-            <a:ext cx="2580754" cy="1809040"/>
-          </a:xfrm>
-          <a:prstGeom prst="bentConnector3">
-            <a:avLst>
-              <a:gd name="adj1" fmla="val 98710"/>
-            </a:avLst>
-          </a:prstGeom>
-          <a:ln>
-            <a:tailEnd type="arrow"/>
-          </a:ln>
-        </p:spPr>
-        <p:style>
-          <a:lnRef idx="2">
-            <a:schemeClr val="accent1"/>
-          </a:lnRef>
-          <a:fillRef idx="0">
-            <a:schemeClr val="accent1"/>
-          </a:fillRef>
-          <a:effectRef idx="1">
-            <a:schemeClr val="accent1"/>
-          </a:effectRef>
-          <a:fontRef idx="minor">
-            <a:schemeClr val="tx1"/>
-          </a:fontRef>
-        </p:style>
-      </p:cxnSp>
-      <p:sp>
-        <p:nvSpPr>
-          <p:cNvPr id="138" name="Alternate Process 137"/>
-          <p:cNvSpPr/>
-          <p:nvPr/>
-        </p:nvSpPr>
-        <p:spPr>
           <a:xfrm>
-            <a:off x="3943690" y="8283645"/>
-            <a:ext cx="1602702" cy="1050803"/>
-          </a:xfrm>
-          <a:prstGeom prst="flowChartAlternateProcess">
-            <a:avLst/>
-          </a:prstGeom>
-          <a:solidFill>
-            <a:schemeClr val="bg1"/>
-          </a:solidFill>
-          <a:ln/>
-        </p:spPr>
-        <p:style>
-          <a:lnRef idx="1">
-            <a:schemeClr val="accent1"/>
-          </a:lnRef>
-          <a:fillRef idx="3">
-            <a:schemeClr val="accent1"/>
-          </a:fillRef>
-          <a:effectRef idx="2">
-            <a:schemeClr val="accent1"/>
-          </a:effectRef>
-          <a:fontRef idx="minor">
-            <a:schemeClr val="lt1"/>
-          </a:fontRef>
-        </p:style>
-        <p:txBody>
-          <a:bodyPr anchor="ctr" anchorCtr="1"/>
-          <a:lstStyle/>
-          <a:p>
-            <a:pPr algn="ctr"/>
-            <a:r>
-              <a:rPr lang="en-US" sz="1200" dirty="0" smtClean="0">
-                <a:solidFill>
-                  <a:schemeClr val="tx1"/>
-                </a:solidFill>
-              </a:rPr>
-              <a:t>Parse the input buffer into tokens</a:t>
-            </a:r>
-          </a:p>
-          <a:p>
-            <a:pPr algn="ctr"/>
-            <a:r>
-              <a:rPr lang="en-US" sz="1200" dirty="0" smtClean="0">
-                <a:solidFill>
-                  <a:schemeClr val="tx1"/>
-                </a:solidFill>
-              </a:rPr>
-              <a:t>Pass token stack to command processor</a:t>
-            </a:r>
-          </a:p>
-          <a:p>
-            <a:pPr algn="ctr"/>
-            <a:endParaRPr lang="en-US" sz="1200" dirty="0">
-              <a:solidFill>
-                <a:schemeClr val="tx1"/>
-              </a:solidFill>
-            </a:endParaRPr>
-          </a:p>
-        </p:txBody>
-      </p:sp>
-      <p:cxnSp>
-        <p:nvCxnSpPr>
-          <p:cNvPr id="148" name="Elbow Connector 147"/>
-          <p:cNvCxnSpPr>
-            <a:stCxn id="129" idx="3"/>
-            <a:endCxn id="138" idx="0"/>
-          </p:cNvCxnSpPr>
-          <p:nvPr/>
-        </p:nvCxnSpPr>
-        <p:spPr>
-          <a:xfrm>
-            <a:off x="3851605" y="7756595"/>
-            <a:ext cx="893436" cy="527050"/>
+            <a:off x="4180588" y="7756595"/>
+            <a:ext cx="569432" cy="1345313"/>
           </a:xfrm>
           <a:prstGeom prst="bentConnector2">
             <a:avLst/>
-          </a:prstGeom>
-          <a:ln>
-            <a:tailEnd type="arrow"/>
-          </a:ln>
-        </p:spPr>
-        <p:style>
-          <a:lnRef idx="2">
-            <a:schemeClr val="accent1"/>
-          </a:lnRef>
-          <a:fillRef idx="0">
-            <a:schemeClr val="accent1"/>
-          </a:fillRef>
-          <a:effectRef idx="1">
-            <a:schemeClr val="accent1"/>
-          </a:effectRef>
-          <a:fontRef idx="minor">
-            <a:schemeClr val="tx1"/>
-          </a:fontRef>
-        </p:style>
-      </p:cxnSp>
-      <p:cxnSp>
-        <p:nvCxnSpPr>
-          <p:cNvPr id="149" name="Elbow Connector 148"/>
-          <p:cNvCxnSpPr>
-            <a:stCxn id="138" idx="1"/>
-          </p:cNvCxnSpPr>
-          <p:nvPr/>
-        </p:nvCxnSpPr>
-        <p:spPr>
-          <a:xfrm rot="10800000">
-            <a:off x="438554" y="7756597"/>
-            <a:ext cx="3505136" cy="1052451"/>
-          </a:xfrm>
-          <a:prstGeom prst="bentConnector3">
-            <a:avLst>
-              <a:gd name="adj1" fmla="val 98805"/>
-            </a:avLst>
           </a:prstGeom>
           <a:ln>
             <a:tailEnd type="arrow"/>
@@ -3980,8 +3834,8 @@
         </p:nvCxnSpPr>
         <p:spPr>
           <a:xfrm rot="10800000" flipV="1">
-            <a:off x="4687142" y="4807138"/>
-            <a:ext cx="955683" cy="963717"/>
+            <a:off x="5146084" y="4807138"/>
+            <a:ext cx="496741" cy="963717"/>
           </a:xfrm>
           <a:prstGeom prst="bentConnector2">
             <a:avLst/>
@@ -4141,8 +3995,8 @@
         </p:nvCxnSpPr>
         <p:spPr>
           <a:xfrm rot="10800000" flipV="1">
-            <a:off x="6948621" y="5947554"/>
-            <a:ext cx="682605" cy="1078920"/>
+            <a:off x="7155443" y="5947554"/>
+            <a:ext cx="475782" cy="1078920"/>
           </a:xfrm>
           <a:prstGeom prst="bentConnector2">
             <a:avLst/>
@@ -4248,12 +4102,12 @@
         </p:nvCxnSpPr>
         <p:spPr>
           <a:xfrm flipV="1">
-            <a:off x="7620417" y="5936412"/>
-            <a:ext cx="1967756" cy="1455123"/>
+            <a:off x="8034064" y="5936413"/>
+            <a:ext cx="1554109" cy="1455122"/>
           </a:xfrm>
           <a:prstGeom prst="bentConnector3">
             <a:avLst>
-              <a:gd name="adj1" fmla="val 100054"/>
+              <a:gd name="adj1" fmla="val 100586"/>
             </a:avLst>
           </a:prstGeom>
           <a:ln>
@@ -4523,7 +4377,7 @@
         </p:nvSpPr>
         <p:spPr>
           <a:xfrm>
-            <a:off x="2561073" y="7448818"/>
+            <a:off x="3856457" y="9040442"/>
             <a:ext cx="425480" cy="307777"/>
           </a:xfrm>
           <a:prstGeom prst="rect">
@@ -4553,7 +4407,7 @@
         </p:nvSpPr>
         <p:spPr>
           <a:xfrm>
-            <a:off x="3827735" y="7479551"/>
+            <a:off x="5123119" y="9071175"/>
             <a:ext cx="373670" cy="307777"/>
           </a:xfrm>
           <a:prstGeom prst="rect">
@@ -4575,6 +4429,469 @@
           </a:p>
         </p:txBody>
       </p:sp>
+      <p:sp>
+        <p:nvSpPr>
+          <p:cNvPr id="168" name="Alternate Process 167"/>
+          <p:cNvSpPr/>
+          <p:nvPr/>
+        </p:nvSpPr>
+        <p:spPr>
+          <a:xfrm>
+            <a:off x="701503" y="7261926"/>
+            <a:ext cx="2291613" cy="1050803"/>
+          </a:xfrm>
+          <a:prstGeom prst="flowChartAlternateProcess">
+            <a:avLst/>
+          </a:prstGeom>
+          <a:solidFill>
+            <a:schemeClr val="bg1"/>
+          </a:solidFill>
+          <a:ln/>
+        </p:spPr>
+        <p:style>
+          <a:lnRef idx="1">
+            <a:schemeClr val="accent1"/>
+          </a:lnRef>
+          <a:fillRef idx="3">
+            <a:schemeClr val="accent1"/>
+          </a:fillRef>
+          <a:effectRef idx="2">
+            <a:schemeClr val="accent1"/>
+          </a:effectRef>
+          <a:fontRef idx="minor">
+            <a:schemeClr val="lt1"/>
+          </a:fontRef>
+        </p:style>
+        <p:txBody>
+          <a:bodyPr anchor="t" anchorCtr="1"/>
+          <a:lstStyle/>
+          <a:p>
+            <a:r>
+              <a:rPr lang="en-US" sz="1200" dirty="0" smtClean="0">
+                <a:solidFill>
+                  <a:schemeClr val="tx1"/>
+                </a:solidFill>
+              </a:rPr>
+              <a:t>Parse the input buffer into tokens</a:t>
+            </a:r>
+          </a:p>
+          <a:p>
+            <a:r>
+              <a:rPr lang="en-US" sz="1200" dirty="0" smtClean="0">
+                <a:solidFill>
+                  <a:schemeClr val="tx1"/>
+                </a:solidFill>
+              </a:rPr>
+              <a:t>Pass token stack to command processor</a:t>
+            </a:r>
+          </a:p>
+          <a:p>
+            <a:endParaRPr lang="en-US" sz="1200" dirty="0">
+              <a:solidFill>
+                <a:schemeClr val="tx1"/>
+              </a:solidFill>
+            </a:endParaRPr>
+          </a:p>
+        </p:txBody>
+      </p:sp>
+      <p:sp>
+        <p:nvSpPr>
+          <p:cNvPr id="169" name="Decision 168"/>
+          <p:cNvSpPr/>
+          <p:nvPr/>
+        </p:nvSpPr>
+        <p:spPr>
+          <a:xfrm>
+            <a:off x="4333872" y="9101908"/>
+            <a:ext cx="832296" cy="554088"/>
+          </a:xfrm>
+          <a:prstGeom prst="flowChartDecision">
+            <a:avLst/>
+          </a:prstGeom>
+          <a:solidFill>
+            <a:schemeClr val="bg1"/>
+          </a:solidFill>
+          <a:ln/>
+        </p:spPr>
+        <p:style>
+          <a:lnRef idx="1">
+            <a:schemeClr val="accent1"/>
+          </a:lnRef>
+          <a:fillRef idx="3">
+            <a:schemeClr val="accent1"/>
+          </a:fillRef>
+          <a:effectRef idx="2">
+            <a:schemeClr val="accent1"/>
+          </a:effectRef>
+          <a:fontRef idx="minor">
+            <a:schemeClr val="lt1"/>
+          </a:fontRef>
+        </p:style>
+        <p:txBody>
+          <a:bodyPr anchor="ctr" anchorCtr="1"/>
+          <a:lstStyle/>
+          <a:p>
+            <a:pPr algn="ctr"/>
+            <a:r>
+              <a:rPr lang="en-US" sz="1200" dirty="0" smtClean="0">
+                <a:solidFill>
+                  <a:schemeClr val="tx1"/>
+                </a:solidFill>
+              </a:rPr>
+              <a:t>BS</a:t>
+            </a:r>
+            <a:endParaRPr lang="en-US" sz="1200" dirty="0">
+              <a:solidFill>
+                <a:schemeClr val="tx1"/>
+              </a:solidFill>
+            </a:endParaRPr>
+          </a:p>
+        </p:txBody>
+      </p:sp>
+      <p:sp>
+        <p:nvSpPr>
+          <p:cNvPr id="171" name="Alternate Process 170"/>
+          <p:cNvSpPr/>
+          <p:nvPr/>
+        </p:nvSpPr>
+        <p:spPr>
+          <a:xfrm>
+            <a:off x="870831" y="9142782"/>
+            <a:ext cx="2530506" cy="496836"/>
+          </a:xfrm>
+          <a:prstGeom prst="flowChartAlternateProcess">
+            <a:avLst/>
+          </a:prstGeom>
+          <a:solidFill>
+            <a:schemeClr val="bg1"/>
+          </a:solidFill>
+          <a:ln/>
+        </p:spPr>
+        <p:style>
+          <a:lnRef idx="1">
+            <a:schemeClr val="accent1"/>
+          </a:lnRef>
+          <a:fillRef idx="3">
+            <a:schemeClr val="accent1"/>
+          </a:fillRef>
+          <a:effectRef idx="2">
+            <a:schemeClr val="accent1"/>
+          </a:effectRef>
+          <a:fontRef idx="minor">
+            <a:schemeClr val="lt1"/>
+          </a:fontRef>
+        </p:style>
+        <p:txBody>
+          <a:bodyPr anchor="ctr" anchorCtr="0"/>
+          <a:lstStyle/>
+          <a:p>
+            <a:pPr algn="ctr"/>
+            <a:r>
+              <a:rPr lang="en-US" sz="1200" dirty="0" smtClean="0">
+                <a:solidFill>
+                  <a:schemeClr val="tx1"/>
+                </a:solidFill>
+              </a:rPr>
+              <a:t>remove character from input buffer</a:t>
+            </a:r>
+            <a:endParaRPr lang="en-US" sz="1200" dirty="0" smtClean="0">
+              <a:solidFill>
+                <a:schemeClr val="tx1"/>
+              </a:solidFill>
+            </a:endParaRPr>
+          </a:p>
+          <a:p>
+            <a:pPr algn="ctr"/>
+            <a:endParaRPr lang="en-US" sz="1200" dirty="0">
+              <a:solidFill>
+                <a:schemeClr val="tx1"/>
+              </a:solidFill>
+            </a:endParaRPr>
+          </a:p>
+        </p:txBody>
+      </p:sp>
+      <p:sp>
+        <p:nvSpPr>
+          <p:cNvPr id="172" name="Alternate Process 171"/>
+          <p:cNvSpPr/>
+          <p:nvPr/>
+        </p:nvSpPr>
+        <p:spPr>
+          <a:xfrm>
+            <a:off x="6048722" y="9167935"/>
+            <a:ext cx="2079033" cy="411207"/>
+          </a:xfrm>
+          <a:prstGeom prst="flowChartAlternateProcess">
+            <a:avLst/>
+          </a:prstGeom>
+          <a:solidFill>
+            <a:schemeClr val="bg1"/>
+          </a:solidFill>
+          <a:ln/>
+        </p:spPr>
+        <p:style>
+          <a:lnRef idx="1">
+            <a:schemeClr val="accent1"/>
+          </a:lnRef>
+          <a:fillRef idx="3">
+            <a:schemeClr val="accent1"/>
+          </a:fillRef>
+          <a:effectRef idx="2">
+            <a:schemeClr val="accent1"/>
+          </a:effectRef>
+          <a:fontRef idx="minor">
+            <a:schemeClr val="lt1"/>
+          </a:fontRef>
+        </p:style>
+        <p:txBody>
+          <a:bodyPr anchor="ctr" anchorCtr="0"/>
+          <a:lstStyle/>
+          <a:p>
+            <a:r>
+              <a:rPr lang="en-US" sz="1200" dirty="0" smtClean="0">
+                <a:solidFill>
+                  <a:schemeClr val="tx1"/>
+                </a:solidFill>
+              </a:rPr>
+              <a:t>Add c</a:t>
+            </a:r>
+            <a:r>
+              <a:rPr lang="en-US" sz="1200" dirty="0" smtClean="0">
+                <a:solidFill>
+                  <a:schemeClr val="tx1"/>
+                </a:solidFill>
+              </a:rPr>
+              <a:t>haracter to input buffer</a:t>
+            </a:r>
+            <a:endParaRPr lang="en-US" sz="1200" dirty="0" smtClean="0">
+              <a:solidFill>
+                <a:schemeClr val="tx1"/>
+              </a:solidFill>
+            </a:endParaRPr>
+          </a:p>
+          <a:p>
+            <a:pPr algn="ctr"/>
+            <a:endParaRPr lang="en-US" sz="1200" dirty="0">
+              <a:solidFill>
+                <a:schemeClr val="tx1"/>
+              </a:solidFill>
+            </a:endParaRPr>
+          </a:p>
+        </p:txBody>
+      </p:sp>
+      <p:cxnSp>
+        <p:nvCxnSpPr>
+          <p:cNvPr id="12" name="Straight Arrow Connector 11"/>
+          <p:cNvCxnSpPr>
+            <a:stCxn id="169" idx="3"/>
+            <a:endCxn id="172" idx="1"/>
+          </p:cNvCxnSpPr>
+          <p:nvPr/>
+        </p:nvCxnSpPr>
+        <p:spPr>
+          <a:xfrm flipV="1">
+            <a:off x="5166168" y="9373539"/>
+            <a:ext cx="882554" cy="5413"/>
+          </a:xfrm>
+          <a:prstGeom prst="straightConnector1">
+            <a:avLst/>
+          </a:prstGeom>
+          <a:ln>
+            <a:tailEnd type="arrow"/>
+          </a:ln>
+        </p:spPr>
+        <p:style>
+          <a:lnRef idx="2">
+            <a:schemeClr val="accent1"/>
+          </a:lnRef>
+          <a:fillRef idx="0">
+            <a:schemeClr val="accent1"/>
+          </a:fillRef>
+          <a:effectRef idx="1">
+            <a:schemeClr val="accent1"/>
+          </a:effectRef>
+          <a:fontRef idx="minor">
+            <a:schemeClr val="tx1"/>
+          </a:fontRef>
+        </p:style>
+      </p:cxnSp>
+      <p:cxnSp>
+        <p:nvCxnSpPr>
+          <p:cNvPr id="26" name="Elbow Connector 25"/>
+          <p:cNvCxnSpPr>
+            <a:stCxn id="172" idx="3"/>
+          </p:cNvCxnSpPr>
+          <p:nvPr/>
+        </p:nvCxnSpPr>
+        <p:spPr>
+          <a:xfrm flipV="1">
+            <a:off x="8127755" y="7391535"/>
+            <a:ext cx="1460418" cy="1982004"/>
+          </a:xfrm>
+          <a:prstGeom prst="bentConnector2">
+            <a:avLst/>
+          </a:prstGeom>
+          <a:ln>
+            <a:tailEnd type="arrow"/>
+          </a:ln>
+        </p:spPr>
+        <p:style>
+          <a:lnRef idx="2">
+            <a:schemeClr val="accent1"/>
+          </a:lnRef>
+          <a:fillRef idx="0">
+            <a:schemeClr val="accent1"/>
+          </a:fillRef>
+          <a:effectRef idx="1">
+            <a:schemeClr val="accent1"/>
+          </a:effectRef>
+          <a:fontRef idx="minor">
+            <a:schemeClr val="tx1"/>
+          </a:fontRef>
+        </p:style>
+      </p:cxnSp>
+      <p:cxnSp>
+        <p:nvCxnSpPr>
+          <p:cNvPr id="30" name="Straight Arrow Connector 29"/>
+          <p:cNvCxnSpPr>
+            <a:stCxn id="169" idx="1"/>
+            <a:endCxn id="171" idx="3"/>
+          </p:cNvCxnSpPr>
+          <p:nvPr/>
+        </p:nvCxnSpPr>
+        <p:spPr>
+          <a:xfrm flipH="1">
+            <a:off x="3401337" y="9378952"/>
+            <a:ext cx="932535" cy="12248"/>
+          </a:xfrm>
+          <a:prstGeom prst="straightConnector1">
+            <a:avLst/>
+          </a:prstGeom>
+          <a:ln>
+            <a:tailEnd type="arrow"/>
+          </a:ln>
+        </p:spPr>
+        <p:style>
+          <a:lnRef idx="2">
+            <a:schemeClr val="accent1"/>
+          </a:lnRef>
+          <a:fillRef idx="0">
+            <a:schemeClr val="accent1"/>
+          </a:fillRef>
+          <a:effectRef idx="1">
+            <a:schemeClr val="accent1"/>
+          </a:effectRef>
+          <a:fontRef idx="minor">
+            <a:schemeClr val="tx1"/>
+          </a:fontRef>
+        </p:style>
+      </p:cxnSp>
+      <p:cxnSp>
+        <p:nvCxnSpPr>
+          <p:cNvPr id="179" name="Elbow Connector 178"/>
+          <p:cNvCxnSpPr>
+            <a:stCxn id="171" idx="1"/>
+          </p:cNvCxnSpPr>
+          <p:nvPr/>
+        </p:nvCxnSpPr>
+        <p:spPr>
+          <a:xfrm rot="10800000">
+            <a:off x="438571" y="7817088"/>
+            <a:ext cx="432261" cy="1574113"/>
+          </a:xfrm>
+          <a:prstGeom prst="bentConnector2">
+            <a:avLst/>
+          </a:prstGeom>
+          <a:ln>
+            <a:tailEnd type="arrow"/>
+          </a:ln>
+        </p:spPr>
+        <p:style>
+          <a:lnRef idx="2">
+            <a:schemeClr val="accent1"/>
+          </a:lnRef>
+          <a:fillRef idx="0">
+            <a:schemeClr val="accent1"/>
+          </a:fillRef>
+          <a:effectRef idx="1">
+            <a:schemeClr val="accent1"/>
+          </a:effectRef>
+          <a:fontRef idx="minor">
+            <a:schemeClr val="tx1"/>
+          </a:fontRef>
+        </p:style>
+      </p:cxnSp>
+      <p:cxnSp>
+        <p:nvCxnSpPr>
+          <p:cNvPr id="181" name="Straight Arrow Connector 180"/>
+          <p:cNvCxnSpPr>
+            <a:stCxn id="129" idx="1"/>
+            <a:endCxn id="168" idx="3"/>
+          </p:cNvCxnSpPr>
+          <p:nvPr/>
+        </p:nvCxnSpPr>
+        <p:spPr>
+          <a:xfrm flipH="1">
+            <a:off x="2993116" y="7756595"/>
+            <a:ext cx="355176" cy="30733"/>
+          </a:xfrm>
+          <a:prstGeom prst="straightConnector1">
+            <a:avLst/>
+          </a:prstGeom>
+          <a:ln>
+            <a:tailEnd type="arrow"/>
+          </a:ln>
+        </p:spPr>
+        <p:style>
+          <a:lnRef idx="2">
+            <a:schemeClr val="accent1"/>
+          </a:lnRef>
+          <a:fillRef idx="0">
+            <a:schemeClr val="accent1"/>
+          </a:fillRef>
+          <a:effectRef idx="1">
+            <a:schemeClr val="accent1"/>
+          </a:effectRef>
+          <a:fontRef idx="minor">
+            <a:schemeClr val="tx1"/>
+          </a:fontRef>
+        </p:style>
+      </p:cxnSp>
+      <p:cxnSp>
+        <p:nvCxnSpPr>
+          <p:cNvPr id="185" name="Elbow Connector 184"/>
+          <p:cNvCxnSpPr>
+            <a:stCxn id="168" idx="1"/>
+          </p:cNvCxnSpPr>
+          <p:nvPr/>
+        </p:nvCxnSpPr>
+        <p:spPr>
+          <a:xfrm rot="10800000">
+            <a:off x="438563" y="5936430"/>
+            <a:ext cx="262941" cy="1850899"/>
+          </a:xfrm>
+          <a:prstGeom prst="bentConnector2">
+            <a:avLst/>
+          </a:prstGeom>
+          <a:ln>
+            <a:tailEnd type="arrow"/>
+          </a:ln>
+        </p:spPr>
+        <p:style>
+          <a:lnRef idx="2">
+            <a:schemeClr val="accent1"/>
+          </a:lnRef>
+          <a:fillRef idx="0">
+            <a:schemeClr val="accent1"/>
+          </a:fillRef>
+          <a:effectRef idx="1">
+            <a:schemeClr val="accent1"/>
+          </a:effectRef>
+          <a:fontRef idx="minor">
+            <a:schemeClr val="tx1"/>
+          </a:fontRef>
+        </p:style>
+      </p:cxnSp>
     </p:spTree>
     <p:extLst>
       <p:ext uri="{BB962C8B-B14F-4D97-AF65-F5344CB8AC3E}">
